--- a/Yelp_Image_Classification_Project_Planning.pptx
+++ b/Yelp_Image_Classification_Project_Planning.pptx
@@ -114,6 +114,11 @@
       </a:defRPr>
     </a:lvl9pPr>
   </p:defaultTextStyle>
+  <p:extLst>
+    <p:ext uri="{EFAFB233-063F-42B5-8137-9DF3F51BA10A}">
+      <p15:sldGuideLst xmlns:p15="http://schemas.microsoft.com/office/powerpoint/2012/main"/>
+    </p:ext>
+  </p:extLst>
 </p:presentation>
 </file>
 
@@ -303,7 +308,7 @@
           <a:p>
             <a:fld id="{121E74FA-C2A7-4013-B146-D332ADAA5CD8}" type="datetimeFigureOut">
               <a:rPr lang="en-US" smtClean="0"/>
-              <a:t>3/15/2017</a:t>
+              <a:t>3/17/2017</a:t>
             </a:fld>
             <a:endParaRPr lang="en-US"/>
           </a:p>
@@ -578,7 +583,7 @@
           <a:p>
             <a:fld id="{121E74FA-C2A7-4013-B146-D332ADAA5CD8}" type="datetimeFigureOut">
               <a:rPr lang="en-US" smtClean="0"/>
-              <a:t>3/15/2017</a:t>
+              <a:t>3/17/2017</a:t>
             </a:fld>
             <a:endParaRPr lang="en-US"/>
           </a:p>
@@ -772,7 +777,7 @@
           <a:p>
             <a:fld id="{121E74FA-C2A7-4013-B146-D332ADAA5CD8}" type="datetimeFigureOut">
               <a:rPr lang="en-US" smtClean="0"/>
-              <a:t>3/15/2017</a:t>
+              <a:t>3/17/2017</a:t>
             </a:fld>
             <a:endParaRPr lang="en-US"/>
           </a:p>
@@ -1045,7 +1050,7 @@
           <a:p>
             <a:fld id="{121E74FA-C2A7-4013-B146-D332ADAA5CD8}" type="datetimeFigureOut">
               <a:rPr lang="en-US" smtClean="0"/>
-              <a:t>3/15/2017</a:t>
+              <a:t>3/17/2017</a:t>
             </a:fld>
             <a:endParaRPr lang="en-US"/>
           </a:p>
@@ -1386,7 +1391,7 @@
           <a:p>
             <a:fld id="{121E74FA-C2A7-4013-B146-D332ADAA5CD8}" type="datetimeFigureOut">
               <a:rPr lang="en-US" smtClean="0"/>
-              <a:t>3/15/2017</a:t>
+              <a:t>3/17/2017</a:t>
             </a:fld>
             <a:endParaRPr lang="en-US"/>
           </a:p>
@@ -2009,7 +2014,7 @@
           <a:p>
             <a:fld id="{121E74FA-C2A7-4013-B146-D332ADAA5CD8}" type="datetimeFigureOut">
               <a:rPr lang="en-US" smtClean="0"/>
-              <a:t>3/15/2017</a:t>
+              <a:t>3/17/2017</a:t>
             </a:fld>
             <a:endParaRPr lang="en-US"/>
           </a:p>
@@ -2869,7 +2874,7 @@
           <a:p>
             <a:fld id="{121E74FA-C2A7-4013-B146-D332ADAA5CD8}" type="datetimeFigureOut">
               <a:rPr lang="en-US" smtClean="0"/>
-              <a:t>3/15/2017</a:t>
+              <a:t>3/17/2017</a:t>
             </a:fld>
             <a:endParaRPr lang="en-US"/>
           </a:p>
@@ -3039,7 +3044,7 @@
           <a:p>
             <a:fld id="{121E74FA-C2A7-4013-B146-D332ADAA5CD8}" type="datetimeFigureOut">
               <a:rPr lang="en-US" smtClean="0"/>
-              <a:t>3/15/2017</a:t>
+              <a:t>3/17/2017</a:t>
             </a:fld>
             <a:endParaRPr lang="en-US"/>
           </a:p>
@@ -3219,7 +3224,7 @@
           <a:p>
             <a:fld id="{121E74FA-C2A7-4013-B146-D332ADAA5CD8}" type="datetimeFigureOut">
               <a:rPr lang="en-US" smtClean="0"/>
-              <a:t>3/15/2017</a:t>
+              <a:t>3/17/2017</a:t>
             </a:fld>
             <a:endParaRPr lang="en-US"/>
           </a:p>
@@ -3389,7 +3394,7 @@
           <a:p>
             <a:fld id="{121E74FA-C2A7-4013-B146-D332ADAA5CD8}" type="datetimeFigureOut">
               <a:rPr lang="en-US" smtClean="0"/>
-              <a:t>3/15/2017</a:t>
+              <a:t>3/17/2017</a:t>
             </a:fld>
             <a:endParaRPr lang="en-US"/>
           </a:p>
@@ -3636,7 +3641,7 @@
           <a:p>
             <a:fld id="{121E74FA-C2A7-4013-B146-D332ADAA5CD8}" type="datetimeFigureOut">
               <a:rPr lang="en-US" smtClean="0"/>
-              <a:t>3/15/2017</a:t>
+              <a:t>3/17/2017</a:t>
             </a:fld>
             <a:endParaRPr lang="en-US"/>
           </a:p>
@@ -3928,7 +3933,7 @@
           <a:p>
             <a:fld id="{121E74FA-C2A7-4013-B146-D332ADAA5CD8}" type="datetimeFigureOut">
               <a:rPr lang="en-US" smtClean="0"/>
-              <a:t>3/15/2017</a:t>
+              <a:t>3/17/2017</a:t>
             </a:fld>
             <a:endParaRPr lang="en-US"/>
           </a:p>
@@ -4372,7 +4377,7 @@
           <a:p>
             <a:fld id="{121E74FA-C2A7-4013-B146-D332ADAA5CD8}" type="datetimeFigureOut">
               <a:rPr lang="en-US" smtClean="0"/>
-              <a:t>3/15/2017</a:t>
+              <a:t>3/17/2017</a:t>
             </a:fld>
             <a:endParaRPr lang="en-US"/>
           </a:p>
@@ -4490,7 +4495,7 @@
           <a:p>
             <a:fld id="{121E74FA-C2A7-4013-B146-D332ADAA5CD8}" type="datetimeFigureOut">
               <a:rPr lang="en-US" smtClean="0"/>
-              <a:t>3/15/2017</a:t>
+              <a:t>3/17/2017</a:t>
             </a:fld>
             <a:endParaRPr lang="en-US"/>
           </a:p>
@@ -4585,7 +4590,7 @@
           <a:p>
             <a:fld id="{121E74FA-C2A7-4013-B146-D332ADAA5CD8}" type="datetimeFigureOut">
               <a:rPr lang="en-US" smtClean="0"/>
-              <a:t>3/15/2017</a:t>
+              <a:t>3/17/2017</a:t>
             </a:fld>
             <a:endParaRPr lang="en-US"/>
           </a:p>
@@ -4864,7 +4869,7 @@
           <a:p>
             <a:fld id="{121E74FA-C2A7-4013-B146-D332ADAA5CD8}" type="datetimeFigureOut">
               <a:rPr lang="en-US" smtClean="0"/>
-              <a:t>3/15/2017</a:t>
+              <a:t>3/17/2017</a:t>
             </a:fld>
             <a:endParaRPr lang="en-US"/>
           </a:p>
@@ -5139,7 +5144,7 @@
           <a:p>
             <a:fld id="{121E74FA-C2A7-4013-B146-D332ADAA5CD8}" type="datetimeFigureOut">
               <a:rPr lang="en-US" smtClean="0"/>
-              <a:t>3/15/2017</a:t>
+              <a:t>3/17/2017</a:t>
             </a:fld>
             <a:endParaRPr lang="en-US"/>
           </a:p>
@@ -5568,7 +5573,7 @@
           <a:p>
             <a:fld id="{121E74FA-C2A7-4013-B146-D332ADAA5CD8}" type="datetimeFigureOut">
               <a:rPr lang="en-US" smtClean="0"/>
-              <a:t>3/15/2017</a:t>
+              <a:t>3/17/2017</a:t>
             </a:fld>
             <a:endParaRPr lang="en-US"/>
           </a:p>
@@ -6278,13 +6283,13 @@
           <a:p>
             <a:r>
               <a:rPr lang="en-US" dirty="0"/>
-              <a:t>Number of yelp businesses (10)</a:t>
+              <a:t>Number of yelp businesses (5)</a:t>
             </a:r>
           </a:p>
           <a:p>
             <a:r>
               <a:rPr lang="en-US" dirty="0"/>
-              <a:t>Number of label classification (9)</a:t>
+              <a:t>Number of label classification (5)</a:t>
             </a:r>
           </a:p>
           <a:p>
@@ -6421,14 +6426,22 @@
         </p:spPr>
         <p:txBody>
           <a:bodyPr>
-            <a:normAutofit/>
+            <a:normAutofit fontScale="90000"/>
           </a:bodyPr>
           <a:lstStyle/>
           <a:p>
             <a:pPr algn="ctr"/>
             <a:r>
-              <a:rPr lang="en-US" sz="2400" dirty="0"/>
-              <a:t>Problem Statement</a:t>
+              <a:rPr lang="en-US" sz="4200" dirty="0"/>
+              <a:t>Problem</a:t>
+            </a:r>
+            <a:r>
+              <a:rPr lang="en-US" sz="3200" dirty="0"/>
+              <a:t> </a:t>
+            </a:r>
+            <a:r>
+              <a:rPr lang="en-US" sz="4200" dirty="0"/>
+              <a:t>Statement</a:t>
             </a:r>
             <a:br>
               <a:rPr lang="en-US" sz="2400" dirty="0"/>
@@ -6449,58 +6462,76 @@
         </p:nvSpPr>
         <p:spPr>
           <a:xfrm>
-            <a:off x="773766" y="1555422"/>
+            <a:off x="792620" y="1574276"/>
             <a:ext cx="10524259" cy="2978871"/>
           </a:xfrm>
         </p:spPr>
         <p:txBody>
-          <a:bodyPr>
-            <a:noAutofit/>
+          <a:bodyPr vert="horz" lIns="91440" tIns="45720" rIns="91440" bIns="45720" rtlCol="0">
+            <a:normAutofit/>
           </a:bodyPr>
           <a:lstStyle/>
           <a:p>
-            <a:pPr marL="285750" indent="-285750" fontAlgn="base">
-              <a:buFont typeface="Arial" panose="020B0604020202020204" pitchFamily="34" charset="0"/>
-              <a:buChar char="•"/>
+            <a:pPr marL="342900" indent="-342900">
+              <a:buChar char=""/>
             </a:pPr>
             <a:r>
-              <a:rPr lang="en-US" sz="1800" dirty="0"/>
+              <a:rPr lang="en-US" dirty="0">
+                <a:solidFill>
+                  <a:schemeClr val="tx1"/>
+                </a:solidFill>
+              </a:rPr>
               <a:t>Yelp users have to manually select restaurant label when they are uploading the image.</a:t>
             </a:r>
           </a:p>
           <a:p>
-            <a:pPr marL="285750" indent="-285750" fontAlgn="base">
-              <a:buFont typeface="Arial" panose="020B0604020202020204" pitchFamily="34" charset="0"/>
-              <a:buChar char="•"/>
+            <a:pPr marL="342900" indent="-342900">
+              <a:buChar char=""/>
             </a:pPr>
             <a:r>
-              <a:rPr lang="en-US" sz="1800" dirty="0"/>
+              <a:rPr lang="en-US" dirty="0">
+                <a:solidFill>
+                  <a:schemeClr val="tx1"/>
+                </a:solidFill>
+              </a:rPr>
               <a:t>Selecting label is optional ; leaving some restaurants partially/uncategorized</a:t>
             </a:r>
           </a:p>
           <a:p>
-            <a:pPr marL="285750" indent="-285750" fontAlgn="base">
-              <a:buFont typeface="Arial" panose="020B0604020202020204" pitchFamily="34" charset="0"/>
-              <a:buChar char="•"/>
+            <a:pPr marL="342900" indent="-342900">
+              <a:buChar char=""/>
             </a:pPr>
             <a:r>
-              <a:rPr lang="en-US" sz="1800" dirty="0"/>
+              <a:rPr lang="en-US" dirty="0">
+                <a:solidFill>
+                  <a:schemeClr val="tx1"/>
+                </a:solidFill>
+              </a:rPr>
               <a:t>No model available to automatically tag images with multiple labels</a:t>
             </a:r>
           </a:p>
           <a:p>
-            <a:pPr marL="285750" indent="-285750" fontAlgn="base">
-              <a:buFont typeface="Arial" panose="020B0604020202020204" pitchFamily="34" charset="0"/>
-              <a:buChar char="•"/>
+            <a:pPr marL="342900" indent="-342900">
+              <a:buChar char=""/>
             </a:pPr>
             <a:r>
-              <a:rPr lang="en-US" sz="1800" dirty="0"/>
+              <a:rPr lang="en-US" dirty="0">
+                <a:solidFill>
+                  <a:schemeClr val="tx1"/>
+                </a:solidFill>
+              </a:rPr>
               <a:t>Human image tagging is not accurate</a:t>
             </a:r>
           </a:p>
           <a:p>
-            <a:pPr algn="l"/>
-            <a:endParaRPr lang="en-US" sz="1800" dirty="0"/>
+            <a:pPr marL="342900" indent="-342900">
+              <a:buChar char=""/>
+            </a:pPr>
+            <a:endParaRPr lang="en-US" dirty="0">
+              <a:solidFill>
+                <a:schemeClr val="tx1"/>
+              </a:solidFill>
+            </a:endParaRPr>
           </a:p>
         </p:txBody>
       </p:sp>
@@ -6551,9 +6582,10 @@
           <a:p>
             <a:pPr algn="ctr"/>
             <a:r>
-              <a:rPr lang="en-US" dirty="0"/>
-              <a:t>Our Proposal</a:t>
-            </a:r>
+              <a:rPr lang="en-US"/>
+              <a:t>Our Proposal / Goal</a:t>
+            </a:r>
+            <a:endParaRPr lang="en-US" dirty="0"/>
           </a:p>
         </p:txBody>
       </p:sp>
@@ -6567,7 +6599,12 @@
             <p:ph idx="1"/>
           </p:nvPr>
         </p:nvSpPr>
-        <p:spPr/>
+        <p:spPr>
+          <a:xfrm>
+            <a:off x="1103312" y="2052918"/>
+            <a:ext cx="9982610" cy="4195481"/>
+          </a:xfrm>
+        </p:spPr>
         <p:txBody>
           <a:bodyPr/>
           <a:lstStyle/>
@@ -6636,50 +6673,24 @@
             <a:br>
               <a:rPr lang="en-US" dirty="0"/>
             </a:br>
+            <a:endParaRPr lang="en-US" dirty="0"/>
+          </a:p>
+          <a:p>
             <a:r>
               <a:rPr lang="en-US" dirty="0"/>
-              <a:t>5: </a:t>
-            </a:r>
-            <a:r>
-              <a:rPr lang="en-US" dirty="0" err="1"/>
-              <a:t>has_alcohol</a:t>
-            </a:r>
-            <a:br>
-              <a:rPr lang="en-US" dirty="0"/>
-            </a:br>
-            <a:r>
-              <a:rPr lang="en-US" dirty="0"/>
-              <a:t>6: </a:t>
-            </a:r>
-            <a:r>
-              <a:rPr lang="en-US" dirty="0" err="1"/>
-              <a:t>has_table_service</a:t>
-            </a:r>
-            <a:br>
-              <a:rPr lang="en-US" dirty="0"/>
-            </a:br>
-            <a:r>
-              <a:rPr lang="en-US" dirty="0"/>
-              <a:t>7: </a:t>
-            </a:r>
-            <a:r>
-              <a:rPr lang="en-US" dirty="0" err="1"/>
-              <a:t>ambience_is_classy</a:t>
-            </a:r>
-            <a:br>
-              <a:rPr lang="en-US" dirty="0"/>
-            </a:br>
-            <a:r>
-              <a:rPr lang="en-US" dirty="0"/>
-              <a:t>8: </a:t>
-            </a:r>
-            <a:r>
-              <a:rPr lang="en-US" dirty="0" err="1"/>
-              <a:t>good_for_kids</a:t>
-            </a:r>
+              <a:t>An uncategorized image will be automatically labelled for this categories</a:t>
+            </a:r>
+          </a:p>
+          <a:p>
+            <a:pPr marL="0" indent="0">
+              <a:buNone/>
+            </a:pPr>
             <a:endParaRPr lang="en-US" dirty="0"/>
           </a:p>
           <a:p>
+            <a:pPr marL="0" indent="0">
+              <a:buNone/>
+            </a:pPr>
             <a:endParaRPr lang="en-US" dirty="0"/>
           </a:p>
         </p:txBody>
@@ -6786,22 +6797,19 @@
           <a:p>
             <a:r>
               <a:rPr lang="en-US" dirty="0"/>
-              <a:t>Yelp user will register and login to the application</a:t>
+              <a:t>Yelp user can see the predicted tags for test images</a:t>
             </a:r>
           </a:p>
           <a:p>
             <a:r>
               <a:rPr lang="en-US" dirty="0"/>
-              <a:t>Yelp user can see the tags for unclassified or partially classified images</a:t>
-            </a:r>
-          </a:p>
-          <a:p>
-            <a:r>
-              <a:rPr lang="en-US" dirty="0"/>
-              <a:t>Yelp user can see the analysis of the tags across all the images</a:t>
-            </a:r>
-          </a:p>
-          <a:p>
+              <a:t>Yelp user can see the popularity of the tags for a business</a:t>
+            </a:r>
+          </a:p>
+          <a:p>
+            <a:pPr marL="0" indent="0">
+              <a:buNone/>
+            </a:pPr>
             <a:endParaRPr lang="en-US" dirty="0"/>
           </a:p>
           <a:p>
@@ -6894,17 +6902,13 @@
           <a:p>
             <a:r>
               <a:rPr lang="en-US" dirty="0"/>
-              <a:t>Load all images and make</a:t>
-            </a:r>
+              <a:t>Load all images and make N dimensional data structure which DL4J needs for training convolutional nets. </a:t>
+            </a:r>
+          </a:p>
+          <a:p>
             <a:r>
               <a:rPr lang="en-US" dirty="0"/>
-              <a:t> N dimensional data structure which DL4J needs for training convolutional nets. </a:t>
-            </a:r>
-          </a:p>
-          <a:p>
-            <a:r>
-              <a:rPr lang="en-US" dirty="0"/>
-              <a:t>Train convolutional neural network on AWS instance</a:t>
+              <a:t>Train 5 convolutional neural network</a:t>
             </a:r>
           </a:p>
           <a:p>
@@ -7076,7 +7080,6 @@
               <a:rPr lang="en-US" b="1" dirty="0"/>
               <a:t>https://www.kaggle.com/c/yelp-restaurant-photo-classification/data</a:t>
             </a:r>
-            <a:endParaRPr lang="en-US" b="1" dirty="0"/>
           </a:p>
         </p:txBody>
       </p:sp>
@@ -7143,14 +7146,14 @@
             <p:ph idx="1"/>
             <p:extLst>
               <p:ext uri="{D42A27DB-BD31-4B8C-83A1-F6EECF244321}">
-                <p14:modId xmlns:p14="http://schemas.microsoft.com/office/powerpoint/2010/main" val="520128408"/>
+                <p14:modId xmlns:p14="http://schemas.microsoft.com/office/powerpoint/2010/main" val="3270351473"/>
               </p:ext>
             </p:extLst>
           </p:nvPr>
         </p:nvGraphicFramePr>
         <p:xfrm>
           <a:off x="646111" y="1656712"/>
-          <a:ext cx="10812543" cy="4298617"/>
+          <a:ext cx="10812543" cy="4196609"/>
         </p:xfrm>
         <a:graphic>
           <a:graphicData uri="http://schemas.openxmlformats.org/drawingml/2006/table">
@@ -7355,19 +7358,8 @@
                       </a:r>
                       <a:r>
                         <a:rPr lang="en-US" baseline="0" dirty="0"/>
-                        <a:t> CNN</a:t>
+                        <a:t> CNN on AWS Instance</a:t>
                       </a:r>
-                    </a:p>
-                    <a:p>
-                      <a:pPr marL="285750" indent="-285750">
-                        <a:buFont typeface="Arial" panose="020B0604020202020204" pitchFamily="34" charset="0"/>
-                        <a:buChar char="•"/>
-                      </a:pPr>
-                      <a:r>
-                        <a:rPr lang="en-US" baseline="0" dirty="0"/>
-                        <a:t>Train on AWS instance</a:t>
-                      </a:r>
-                      <a:endParaRPr lang="en-US" dirty="0"/>
                     </a:p>
                   </a:txBody>
                   <a:tcPr/>
@@ -7470,7 +7462,7 @@
                       </a:pPr>
                       <a:r>
                         <a:rPr lang="en-US" baseline="0" dirty="0"/>
-                        <a:t>Model testing</a:t>
+                        <a:t>Run predication on Model</a:t>
                       </a:r>
                       <a:endParaRPr lang="en-US" dirty="0"/>
                     </a:p>
@@ -7811,7 +7803,6 @@
               <a:rPr lang="en-US" b="1" dirty="0"/>
               <a:t>https://github.com/manasiladdha/CSYE7200_Scala_Project_Team7</a:t>
             </a:r>
-            <a:endParaRPr lang="en-US" b="1" dirty="0"/>
           </a:p>
         </p:txBody>
       </p:sp>
